--- a/trunk/Lectures/7. WWW, HTTP and HTML/Web-Technologies-Fundamentals-and-HTTP.pptx
+++ b/trunk/Lectures/7. WWW, HTTP and HTML/Web-Technologies-Fundamentals-and-HTTP.pptx
@@ -292,7 +292,7 @@
             <a:fld id="{3BF7C7B5-275F-4D1F-9AB4-9255447DBC73}" type="datetimeFigureOut">
               <a:rPr lang="en-US"/>
               <a:pPr/>
-              <a:t>6/13/2011</a:t>
+              <a:t>21-Nov-11</a:t>
             </a:fld>
             <a:endParaRPr lang="en-US" dirty="0"/>
           </a:p>
@@ -523,7 +523,7 @@
             <a:fld id="{9B46F231-FB2B-4655-A644-E2477325E686}" type="datetimeFigureOut">
               <a:rPr lang="en-US"/>
               <a:pPr/>
-              <a:t>6/13/2011</a:t>
+              <a:t>21-Nov-11</a:t>
             </a:fld>
             <a:endParaRPr lang="en-US" dirty="0"/>
           </a:p>
@@ -10883,39 +10883,8 @@
                 <a:latin typeface="Consolas" pitchFamily="49" charset="0"/>
                 <a:cs typeface="Consolas" pitchFamily="49" charset="0"/>
               </a:rPr>
-              <a:t>&lt;</a:t>
-            </a:r>
-            <a:r>
-              <a:rPr lang="en-US" sz="2200" b="1" noProof="1" smtClean="0">
-                <a:solidFill>
-                  <a:srgbClr val="8CF4F2"/>
-                </a:solidFill>
-                <a:effectLst>
-                  <a:outerShdw blurRad="38100" dist="38100" dir="2700000" algn="tl">
-                    <a:srgbClr val="000000">
-                      <a:alpha val="43137"/>
-                    </a:srgbClr>
-                  </a:outerShdw>
-                </a:effectLst>
-                <a:latin typeface="Consolas" pitchFamily="49" charset="0"/>
-                <a:cs typeface="Consolas" pitchFamily="49" charset="0"/>
-              </a:rPr>
-              <a:t>body&gt;</a:t>
-            </a:r>
-            <a:endParaRPr lang="en-US" sz="2200" b="1" noProof="1" smtClean="0">
-              <a:solidFill>
-                <a:srgbClr val="8CF4F2"/>
-              </a:solidFill>
-              <a:effectLst>
-                <a:outerShdw blurRad="38100" dist="38100" dir="2700000" algn="tl">
-                  <a:srgbClr val="000000">
-                    <a:alpha val="43137"/>
-                  </a:srgbClr>
-                </a:outerShdw>
-              </a:effectLst>
-              <a:latin typeface="Consolas" pitchFamily="49" charset="0"/>
-              <a:cs typeface="Consolas" pitchFamily="49" charset="0"/>
-            </a:endParaRPr>
+              <a:t>&lt;body&gt;</a:t>
+            </a:r>
           </a:p>
         </p:txBody>
       </p:sp>
@@ -11761,13 +11730,8 @@
             </a:pPr>
             <a:r>
               <a:rPr lang="en-US" dirty="0" smtClean="0"/>
-              <a:t>Web Development </a:t>
-            </a:r>
-            <a:r>
-              <a:rPr lang="en-US" dirty="0" smtClean="0"/>
-              <a:t>Tools</a:t>
-            </a:r>
-            <a:endParaRPr lang="en-US" dirty="0" smtClean="0"/>
+              <a:t>Web Development Tools</a:t>
+            </a:r>
           </a:p>
         </p:txBody>
       </p:sp>
@@ -21492,11 +21456,7 @@
             </a:r>
             <a:r>
               <a:rPr lang="en-US" sz="2800" dirty="0" smtClean="0"/>
-              <a:t>graphics</a:t>
-            </a:r>
-            <a:r>
-              <a:rPr lang="en-US" sz="2800" dirty="0" smtClean="0"/>
-              <a:t>, sounds, etc.</a:t>
+              <a:t>graphics, sounds, etc.</a:t>
             </a:r>
             <a:endParaRPr lang="en-US" sz="2800" dirty="0"/>
           </a:p>
